--- a/1/1-1/Chap/Chap1-1.pptx
+++ b/1/1-1/Chap/Chap1-1.pptx
@@ -304,7 +304,7 @@
           <a:p>
             <a:fld id="{E0245768-36A9-D946-8208-778E790940EA}" type="datetimeFigureOut">
               <a:rPr lang="en-US" smtClean="0"/>
-              <a:t>2/27/21</a:t>
+              <a:t>4/29/21</a:t>
             </a:fld>
             <a:endParaRPr lang="en-US"/>
           </a:p>
@@ -502,7 +502,7 @@
           <a:p>
             <a:fld id="{E0245768-36A9-D946-8208-778E790940EA}" type="datetimeFigureOut">
               <a:rPr lang="en-US" smtClean="0"/>
-              <a:t>2/27/21</a:t>
+              <a:t>4/29/21</a:t>
             </a:fld>
             <a:endParaRPr lang="en-US"/>
           </a:p>
@@ -710,7 +710,7 @@
           <a:p>
             <a:fld id="{E0245768-36A9-D946-8208-778E790940EA}" type="datetimeFigureOut">
               <a:rPr lang="en-US" smtClean="0"/>
-              <a:t>2/27/21</a:t>
+              <a:t>4/29/21</a:t>
             </a:fld>
             <a:endParaRPr lang="en-US"/>
           </a:p>
@@ -908,7 +908,7 @@
           <a:p>
             <a:fld id="{E0245768-36A9-D946-8208-778E790940EA}" type="datetimeFigureOut">
               <a:rPr lang="en-US" smtClean="0"/>
-              <a:t>2/27/21</a:t>
+              <a:t>4/29/21</a:t>
             </a:fld>
             <a:endParaRPr lang="en-US"/>
           </a:p>
@@ -1183,7 +1183,7 @@
           <a:p>
             <a:fld id="{E0245768-36A9-D946-8208-778E790940EA}" type="datetimeFigureOut">
               <a:rPr lang="en-US" smtClean="0"/>
-              <a:t>2/27/21</a:t>
+              <a:t>4/29/21</a:t>
             </a:fld>
             <a:endParaRPr lang="en-US"/>
           </a:p>
@@ -1448,7 +1448,7 @@
           <a:p>
             <a:fld id="{E0245768-36A9-D946-8208-778E790940EA}" type="datetimeFigureOut">
               <a:rPr lang="en-US" smtClean="0"/>
-              <a:t>2/27/21</a:t>
+              <a:t>4/29/21</a:t>
             </a:fld>
             <a:endParaRPr lang="en-US"/>
           </a:p>
@@ -1860,7 +1860,7 @@
           <a:p>
             <a:fld id="{E0245768-36A9-D946-8208-778E790940EA}" type="datetimeFigureOut">
               <a:rPr lang="en-US" smtClean="0"/>
-              <a:t>2/27/21</a:t>
+              <a:t>4/29/21</a:t>
             </a:fld>
             <a:endParaRPr lang="en-US"/>
           </a:p>
@@ -2001,7 +2001,7 @@
           <a:p>
             <a:fld id="{E0245768-36A9-D946-8208-778E790940EA}" type="datetimeFigureOut">
               <a:rPr lang="en-US" smtClean="0"/>
-              <a:t>2/27/21</a:t>
+              <a:t>4/29/21</a:t>
             </a:fld>
             <a:endParaRPr lang="en-US"/>
           </a:p>
@@ -2114,7 +2114,7 @@
           <a:p>
             <a:fld id="{E0245768-36A9-D946-8208-778E790940EA}" type="datetimeFigureOut">
               <a:rPr lang="en-US" smtClean="0"/>
-              <a:t>2/27/21</a:t>
+              <a:t>4/29/21</a:t>
             </a:fld>
             <a:endParaRPr lang="en-US"/>
           </a:p>
@@ -2425,7 +2425,7 @@
           <a:p>
             <a:fld id="{E0245768-36A9-D946-8208-778E790940EA}" type="datetimeFigureOut">
               <a:rPr lang="en-US" smtClean="0"/>
-              <a:t>2/27/21</a:t>
+              <a:t>4/29/21</a:t>
             </a:fld>
             <a:endParaRPr lang="en-US"/>
           </a:p>
@@ -2713,7 +2713,7 @@
           <a:p>
             <a:fld id="{E0245768-36A9-D946-8208-778E790940EA}" type="datetimeFigureOut">
               <a:rPr lang="en-US" smtClean="0"/>
-              <a:t>2/27/21</a:t>
+              <a:t>4/29/21</a:t>
             </a:fld>
             <a:endParaRPr lang="en-US"/>
           </a:p>
@@ -2954,7 +2954,7 @@
           <a:p>
             <a:fld id="{E0245768-36A9-D946-8208-778E790940EA}" type="datetimeFigureOut">
               <a:rPr lang="en-US" smtClean="0"/>
-              <a:t>2/27/21</a:t>
+              <a:t>4/29/21</a:t>
             </a:fld>
             <a:endParaRPr lang="en-US"/>
           </a:p>
@@ -17166,10 +17166,10 @@
       </p:pic>
       <p:pic>
         <p:nvPicPr>
-          <p:cNvPr id="6" name="Picture 5">
+          <p:cNvPr id="7" name="Picture 6">
             <a:extLst>
               <a:ext uri="{FF2B5EF4-FFF2-40B4-BE49-F238E27FC236}">
-                <a16:creationId xmlns:a16="http://schemas.microsoft.com/office/drawing/2014/main" id="{25F97F78-4A37-2748-B493-71EE21AC6F7E}"/>
+                <a16:creationId xmlns:a16="http://schemas.microsoft.com/office/drawing/2014/main" id="{F02F2D0A-C56E-9347-93D5-27F1EC592682}"/>
               </a:ext>
             </a:extLst>
           </p:cNvPr>
@@ -17180,12 +17180,12 @@
         </p:nvPicPr>
         <p:blipFill rotWithShape="1">
           <a:blip r:embed="rId3"/>
-          <a:srcRect l="-3070" t="-75204" r="-1892" b="-75204"/>
+          <a:srcRect l="-6050" t="-78542" r="-4806" b="-71871"/>
           <a:stretch/>
         </p:blipFill>
         <p:spPr>
           <a:xfrm>
-            <a:off x="1405054" y="2999678"/>
+            <a:off x="1457093" y="2999678"/>
             <a:ext cx="9277814" cy="858644"/>
           </a:xfrm>
           <a:prstGeom prst="rect">
@@ -17698,10 +17698,40 @@
       </p:sp>
       <p:pic>
         <p:nvPicPr>
-          <p:cNvPr id="6" name="Picture 5">
+          <p:cNvPr id="7" name="Picture 6">
             <a:extLst>
               <a:ext uri="{FF2B5EF4-FFF2-40B4-BE49-F238E27FC236}">
-                <a16:creationId xmlns:a16="http://schemas.microsoft.com/office/drawing/2014/main" id="{B4AA5654-F5DB-2E43-ADF8-D5BE5FEF48A7}"/>
+                <a16:creationId xmlns:a16="http://schemas.microsoft.com/office/drawing/2014/main" id="{6A2E7081-BE9A-484D-9C2C-BB105DF74442}"/>
+              </a:ext>
+            </a:extLst>
+          </p:cNvPr>
+          <p:cNvPicPr>
+            <a:picLocks noChangeAspect="1"/>
+          </p:cNvPicPr>
+          <p:nvPr/>
+        </p:nvPicPr>
+        <p:blipFill>
+          <a:blip r:embed="rId2"/>
+          <a:stretch>
+            <a:fillRect/>
+          </a:stretch>
+        </p:blipFill>
+        <p:spPr>
+          <a:xfrm>
+            <a:off x="5054599" y="5111750"/>
+            <a:ext cx="2082800" cy="749300"/>
+          </a:xfrm>
+          <a:prstGeom prst="rect">
+            <a:avLst/>
+          </a:prstGeom>
+        </p:spPr>
+      </p:pic>
+      <p:pic>
+        <p:nvPicPr>
+          <p:cNvPr id="4" name="Picture 3">
+            <a:extLst>
+              <a:ext uri="{FF2B5EF4-FFF2-40B4-BE49-F238E27FC236}">
+                <a16:creationId xmlns:a16="http://schemas.microsoft.com/office/drawing/2014/main" id="{D1887A21-3668-0549-834D-3F302546E517}"/>
               </a:ext>
             </a:extLst>
           </p:cNvPr>
@@ -17711,8 +17741,8 @@
           <p:nvPr/>
         </p:nvPicPr>
         <p:blipFill rotWithShape="1">
-          <a:blip r:embed="rId2"/>
-          <a:srcRect l="-1939" t="-70731" r="-2107" b="-79676"/>
+          <a:blip r:embed="rId3"/>
+          <a:srcRect l="-4922" t="-75204" r="-4922" b="-75204"/>
           <a:stretch/>
         </p:blipFill>
         <p:spPr>
@@ -17729,36 +17759,6 @@
               <a:lumOff val="80000"/>
             </a:schemeClr>
           </a:solidFill>
-        </p:spPr>
-      </p:pic>
-      <p:pic>
-        <p:nvPicPr>
-          <p:cNvPr id="7" name="Picture 6">
-            <a:extLst>
-              <a:ext uri="{FF2B5EF4-FFF2-40B4-BE49-F238E27FC236}">
-                <a16:creationId xmlns:a16="http://schemas.microsoft.com/office/drawing/2014/main" id="{6A2E7081-BE9A-484D-9C2C-BB105DF74442}"/>
-              </a:ext>
-            </a:extLst>
-          </p:cNvPr>
-          <p:cNvPicPr>
-            <a:picLocks noChangeAspect="1"/>
-          </p:cNvPicPr>
-          <p:nvPr/>
-        </p:nvPicPr>
-        <p:blipFill>
-          <a:blip r:embed="rId3"/>
-          <a:stretch>
-            <a:fillRect/>
-          </a:stretch>
-        </p:blipFill>
-        <p:spPr>
-          <a:xfrm>
-            <a:off x="5054599" y="5111750"/>
-            <a:ext cx="2082800" cy="749300"/>
-          </a:xfrm>
-          <a:prstGeom prst="rect">
-            <a:avLst/>
-          </a:prstGeom>
         </p:spPr>
       </p:pic>
     </p:spTree>
